--- a/Project_Space_Debris/vortrag/20221219_Liu.pptx
+++ b/Project_Space_Debris/vortrag/20221219_Liu.pptx
@@ -5,10 +5,16 @@
     <p:sldMasterId id="2147483648" r:id="rId1"/>
   </p:sldMasterIdLst>
   <p:notesMasterIdLst>
-    <p:notesMasterId r:id="rId3"/>
+    <p:notesMasterId r:id="rId9"/>
   </p:notesMasterIdLst>
   <p:sldIdLst>
     <p:sldId id="280" r:id="rId2"/>
+    <p:sldId id="286" r:id="rId3"/>
+    <p:sldId id="281" r:id="rId4"/>
+    <p:sldId id="282" r:id="rId5"/>
+    <p:sldId id="283" r:id="rId6"/>
+    <p:sldId id="284" r:id="rId7"/>
+    <p:sldId id="285" r:id="rId8"/>
   </p:sldIdLst>
   <p:sldSz cx="9144000" cy="6858000" type="screen4x3"/>
   <p:notesSz cx="6858000" cy="9144000"/>
@@ -5670,10 +5676,9 @@
           <a:lstStyle/>
           <a:p>
             <a:r>
-              <a:rPr lang="en-GB" altLang="en-US"/>
+              <a:rPr lang="en-GB" altLang="en-US" dirty="0"/>
               <a:t>Space Debris</a:t>
             </a:r>
-            <a:endParaRPr lang="en-GB" altLang="en-US" dirty="0"/>
           </a:p>
         </p:txBody>
       </p:sp>
@@ -6090,6 +6095,1777 @@
         </p:txBody>
       </p:sp>
     </p:spTree>
+  </p:cSld>
+  <p:clrMapOvr>
+    <a:masterClrMapping/>
+  </p:clrMapOvr>
+</p:sld>
+</file>
+
+<file path=ppt/slides/slide2.xml><?xml version="1.0" encoding="utf-8"?>
+<p:sld xmlns:a="http://schemas.openxmlformats.org/drawingml/2006/main" xmlns:r="http://schemas.openxmlformats.org/officeDocument/2006/relationships" xmlns:p="http://schemas.openxmlformats.org/presentationml/2006/main">
+  <p:cSld>
+    <p:spTree>
+      <p:nvGrpSpPr>
+        <p:cNvPr id="1" name=""/>
+        <p:cNvGrpSpPr/>
+        <p:nvPr/>
+      </p:nvGrpSpPr>
+      <p:grpSpPr>
+        <a:xfrm>
+          <a:off x="0" y="0"/>
+          <a:ext cx="0" cy="0"/>
+          <a:chOff x="0" y="0"/>
+          <a:chExt cx="0" cy="0"/>
+        </a:xfrm>
+      </p:grpSpPr>
+      <p:sp>
+        <p:nvSpPr>
+          <p:cNvPr id="2" name="标题 1">
+            <a:extLst>
+              <a:ext uri="{FF2B5EF4-FFF2-40B4-BE49-F238E27FC236}">
+                <a16:creationId xmlns:a16="http://schemas.microsoft.com/office/drawing/2014/main" id="{8B429EFB-6407-9EEE-BDB4-8242A272F33B}"/>
+              </a:ext>
+            </a:extLst>
+          </p:cNvPr>
+          <p:cNvSpPr>
+            <a:spLocks noGrp="1"/>
+          </p:cNvSpPr>
+          <p:nvPr>
+            <p:ph type="title"/>
+          </p:nvPr>
+        </p:nvSpPr>
+        <p:spPr/>
+        <p:txBody>
+          <a:bodyPr/>
+          <a:lstStyle/>
+          <a:p>
+            <a:r>
+              <a:rPr lang="de-DE" dirty="0"/>
+              <a:t>Überblick </a:t>
+            </a:r>
+            <a:r>
+              <a:rPr lang="en-US" dirty="0"/>
+              <a:t>– </a:t>
+            </a:r>
+            <a:r>
+              <a:rPr lang="en-US" dirty="0" err="1"/>
+              <a:t>Daten</a:t>
+            </a:r>
+            <a:r>
+              <a:rPr lang="en-US" dirty="0"/>
+              <a:t> von 2002</a:t>
+            </a:r>
+          </a:p>
+        </p:txBody>
+      </p:sp>
+      <p:sp>
+        <p:nvSpPr>
+          <p:cNvPr id="3" name="内容占位符 2">
+            <a:extLst>
+              <a:ext uri="{FF2B5EF4-FFF2-40B4-BE49-F238E27FC236}">
+                <a16:creationId xmlns:a16="http://schemas.microsoft.com/office/drawing/2014/main" id="{7C158E3F-89F5-4DBE-7230-EEE6E71A6CCB}"/>
+              </a:ext>
+            </a:extLst>
+          </p:cNvPr>
+          <p:cNvSpPr>
+            <a:spLocks noGrp="1"/>
+          </p:cNvSpPr>
+          <p:nvPr>
+            <p:ph idx="1"/>
+          </p:nvPr>
+        </p:nvSpPr>
+        <p:spPr>
+          <a:xfrm>
+            <a:off x="685800" y="1219200"/>
+            <a:ext cx="7772400" cy="5029200"/>
+          </a:xfrm>
+        </p:spPr>
+        <p:txBody>
+          <a:bodyPr/>
+          <a:lstStyle/>
+          <a:p>
+            <a:r>
+              <a:rPr lang="de-DE" dirty="0"/>
+              <a:t>mehr als 8700 Objekte größer als 10-30 cm in der LEO und größer als 1 m in der GEO</a:t>
+            </a:r>
+          </a:p>
+          <a:p>
+            <a:endParaRPr lang="de-DE" dirty="0"/>
+          </a:p>
+          <a:p>
+            <a:r>
+              <a:rPr lang="de-DE" dirty="0"/>
+              <a:t>Von den mehr als 8700 Objekten, die größer als 10 cm sind, sind nur etwa 6 % operationelle Satelliten, der Rest ist Weltraumschrott</a:t>
+            </a:r>
+          </a:p>
+          <a:p>
+            <a:endParaRPr lang="de-DE" dirty="0"/>
+          </a:p>
+          <a:p>
+            <a:r>
+              <a:rPr lang="de-DE" dirty="0"/>
+              <a:t>6%: operational spacecraft</a:t>
+            </a:r>
+          </a:p>
+          <a:p>
+            <a:pPr marL="0" indent="0">
+              <a:buNone/>
+            </a:pPr>
+            <a:r>
+              <a:rPr lang="de-DE" dirty="0"/>
+              <a:t>    7%: rocket upper stages</a:t>
+            </a:r>
+          </a:p>
+          <a:p>
+            <a:pPr marL="0" indent="0">
+              <a:buNone/>
+            </a:pPr>
+            <a:r>
+              <a:rPr lang="de-DE" dirty="0"/>
+              <a:t>    </a:t>
+            </a:r>
+            <a:r>
+              <a:rPr lang="en-US" dirty="0"/>
+              <a:t>13%: mission-related debris</a:t>
+            </a:r>
+          </a:p>
+          <a:p>
+            <a:pPr marL="0" indent="0">
+              <a:buNone/>
+            </a:pPr>
+            <a:r>
+              <a:rPr lang="en-US" dirty="0"/>
+              <a:t>    </a:t>
+            </a:r>
+            <a:r>
+              <a:rPr lang="de-DE" dirty="0"/>
+              <a:t>21%: old spacecraft</a:t>
+            </a:r>
+            <a:endParaRPr lang="en-US" dirty="0"/>
+          </a:p>
+          <a:p>
+            <a:pPr marL="0" indent="0">
+              <a:buNone/>
+            </a:pPr>
+            <a:r>
+              <a:rPr lang="en-US" dirty="0"/>
+              <a:t>    43%: fragments from explosions or collisions</a:t>
+            </a:r>
+            <a:endParaRPr lang="de-DE" dirty="0"/>
+          </a:p>
+          <a:p>
+            <a:endParaRPr lang="de-DE" dirty="0"/>
+          </a:p>
+          <a:p>
+            <a:endParaRPr lang="en-US" dirty="0"/>
+          </a:p>
+        </p:txBody>
+      </p:sp>
+      <p:sp>
+        <p:nvSpPr>
+          <p:cNvPr id="4" name="灯片编号占位符 3">
+            <a:extLst>
+              <a:ext uri="{FF2B5EF4-FFF2-40B4-BE49-F238E27FC236}">
+                <a16:creationId xmlns:a16="http://schemas.microsoft.com/office/drawing/2014/main" id="{E4E0AB4F-78A8-F5FC-39A9-675585787439}"/>
+              </a:ext>
+            </a:extLst>
+          </p:cNvPr>
+          <p:cNvSpPr>
+            <a:spLocks noGrp="1"/>
+          </p:cNvSpPr>
+          <p:nvPr>
+            <p:ph type="sldNum" sz="quarter" idx="12"/>
+          </p:nvPr>
+        </p:nvSpPr>
+        <p:spPr/>
+        <p:txBody>
+          <a:bodyPr/>
+          <a:lstStyle/>
+          <a:p>
+            <a:pPr>
+              <a:defRPr/>
+            </a:pPr>
+            <a:fld id="{A26A0649-E50C-4844-BD05-C05B747519B9}" type="slidenum">
+              <a:rPr lang="de-DE" altLang="en-US" smtClean="0"/>
+              <a:pPr>
+                <a:defRPr/>
+              </a:pPr>
+              <a:t>2</a:t>
+            </a:fld>
+            <a:endParaRPr lang="de-DE" altLang="en-US"/>
+          </a:p>
+        </p:txBody>
+      </p:sp>
+    </p:spTree>
+    <p:extLst>
+      <p:ext uri="{BB962C8B-B14F-4D97-AF65-F5344CB8AC3E}">
+        <p14:creationId xmlns:p14="http://schemas.microsoft.com/office/powerpoint/2010/main" val="94996950"/>
+      </p:ext>
+    </p:extLst>
+  </p:cSld>
+  <p:clrMapOvr>
+    <a:masterClrMapping/>
+  </p:clrMapOvr>
+</p:sld>
+</file>
+
+<file path=ppt/slides/slide3.xml><?xml version="1.0" encoding="utf-8"?>
+<p:sld xmlns:a="http://schemas.openxmlformats.org/drawingml/2006/main" xmlns:r="http://schemas.openxmlformats.org/officeDocument/2006/relationships" xmlns:p="http://schemas.openxmlformats.org/presentationml/2006/main">
+  <p:cSld>
+    <p:spTree>
+      <p:nvGrpSpPr>
+        <p:cNvPr id="1" name=""/>
+        <p:cNvGrpSpPr/>
+        <p:nvPr/>
+      </p:nvGrpSpPr>
+      <p:grpSpPr>
+        <a:xfrm>
+          <a:off x="0" y="0"/>
+          <a:ext cx="0" cy="0"/>
+          <a:chOff x="0" y="0"/>
+          <a:chExt cx="0" cy="0"/>
+        </a:xfrm>
+      </p:grpSpPr>
+      <p:sp>
+        <p:nvSpPr>
+          <p:cNvPr id="2" name="标题 1">
+            <a:extLst>
+              <a:ext uri="{FF2B5EF4-FFF2-40B4-BE49-F238E27FC236}">
+                <a16:creationId xmlns:a16="http://schemas.microsoft.com/office/drawing/2014/main" id="{F7699A66-60FC-7FE2-6B50-6183F70A801E}"/>
+              </a:ext>
+            </a:extLst>
+          </p:cNvPr>
+          <p:cNvSpPr>
+            <a:spLocks noGrp="1"/>
+          </p:cNvSpPr>
+          <p:nvPr>
+            <p:ph type="title"/>
+          </p:nvPr>
+        </p:nvSpPr>
+        <p:spPr/>
+        <p:txBody>
+          <a:bodyPr/>
+          <a:lstStyle/>
+          <a:p>
+            <a:r>
+              <a:rPr lang="en-US" dirty="0" err="1"/>
+              <a:t>V</a:t>
+            </a:r>
+            <a:r>
+              <a:rPr lang="en-US" altLang="zh-CN" dirty="0" err="1"/>
+              <a:t>isualisierung</a:t>
+            </a:r>
+            <a:r>
+              <a:rPr lang="en-US" altLang="zh-CN" dirty="0"/>
+              <a:t> (1)</a:t>
+            </a:r>
+            <a:endParaRPr lang="en-US" dirty="0"/>
+          </a:p>
+        </p:txBody>
+      </p:sp>
+      <p:sp>
+        <p:nvSpPr>
+          <p:cNvPr id="4" name="灯片编号占位符 3">
+            <a:extLst>
+              <a:ext uri="{FF2B5EF4-FFF2-40B4-BE49-F238E27FC236}">
+                <a16:creationId xmlns:a16="http://schemas.microsoft.com/office/drawing/2014/main" id="{B344CEB9-11C9-0A04-7503-3C3394BC3435}"/>
+              </a:ext>
+            </a:extLst>
+          </p:cNvPr>
+          <p:cNvSpPr>
+            <a:spLocks noGrp="1"/>
+          </p:cNvSpPr>
+          <p:nvPr>
+            <p:ph type="sldNum" sz="quarter" idx="12"/>
+          </p:nvPr>
+        </p:nvSpPr>
+        <p:spPr/>
+        <p:txBody>
+          <a:bodyPr/>
+          <a:lstStyle/>
+          <a:p>
+            <a:pPr>
+              <a:defRPr/>
+            </a:pPr>
+            <a:fld id="{A26A0649-E50C-4844-BD05-C05B747519B9}" type="slidenum">
+              <a:rPr lang="de-DE" altLang="en-US" smtClean="0"/>
+              <a:pPr>
+                <a:defRPr/>
+              </a:pPr>
+              <a:t>3</a:t>
+            </a:fld>
+            <a:endParaRPr lang="de-DE" altLang="en-US"/>
+          </a:p>
+        </p:txBody>
+      </p:sp>
+      <p:pic>
+        <p:nvPicPr>
+          <p:cNvPr id="9" name="内容占位符 8">
+            <a:extLst>
+              <a:ext uri="{FF2B5EF4-FFF2-40B4-BE49-F238E27FC236}">
+                <a16:creationId xmlns:a16="http://schemas.microsoft.com/office/drawing/2014/main" id="{CFC810F5-78FD-041A-9DFD-453DF5FE2ACB}"/>
+              </a:ext>
+            </a:extLst>
+          </p:cNvPr>
+          <p:cNvPicPr>
+            <a:picLocks noGrp="1" noChangeAspect="1"/>
+          </p:cNvPicPr>
+          <p:nvPr>
+            <p:ph idx="1"/>
+          </p:nvPr>
+        </p:nvPicPr>
+        <p:blipFill>
+          <a:blip r:embed="rId2"/>
+          <a:stretch>
+            <a:fillRect/>
+          </a:stretch>
+        </p:blipFill>
+        <p:spPr>
+          <a:xfrm>
+            <a:off x="1799692" y="980728"/>
+            <a:ext cx="5544616" cy="3796639"/>
+          </a:xfrm>
+        </p:spPr>
+      </p:pic>
+      <p:sp>
+        <p:nvSpPr>
+          <p:cNvPr id="10" name="文本框 9">
+            <a:extLst>
+              <a:ext uri="{FF2B5EF4-FFF2-40B4-BE49-F238E27FC236}">
+                <a16:creationId xmlns:a16="http://schemas.microsoft.com/office/drawing/2014/main" id="{F0FF3211-1C70-4046-3ED2-BA2BBCB0DEF8}"/>
+              </a:ext>
+            </a:extLst>
+          </p:cNvPr>
+          <p:cNvSpPr txBox="1"/>
+          <p:nvPr/>
+        </p:nvSpPr>
+        <p:spPr>
+          <a:xfrm>
+            <a:off x="828472" y="4979138"/>
+            <a:ext cx="6911880" cy="1200329"/>
+          </a:xfrm>
+          <a:prstGeom prst="rect">
+            <a:avLst/>
+          </a:prstGeom>
+          <a:noFill/>
+        </p:spPr>
+        <p:txBody>
+          <a:bodyPr wrap="square" rtlCol="0">
+            <a:spAutoFit/>
+          </a:bodyPr>
+          <a:lstStyle/>
+          <a:p>
+            <a:pPr marL="285750" indent="-285750">
+              <a:buFont typeface="Arial" panose="020B0604020202020204" pitchFamily="34" charset="0"/>
+              <a:buChar char="•"/>
+            </a:pPr>
+            <a:r>
+              <a:rPr lang="de-DE" sz="1800" dirty="0">
+                <a:solidFill>
+                  <a:srgbClr val="4D4D4D"/>
+                </a:solidFill>
+                <a:latin typeface="+mn-lt"/>
+              </a:rPr>
+              <a:t>Histogramm von Apogäum, Perigäum und Exzentrizität mit der Zeit</a:t>
+            </a:r>
+          </a:p>
+          <a:p>
+            <a:pPr marL="285750" indent="-285750">
+              <a:buFont typeface="Arial" panose="020B0604020202020204" pitchFamily="34" charset="0"/>
+              <a:buChar char="•"/>
+            </a:pPr>
+            <a:endParaRPr lang="de-DE" sz="1800" dirty="0">
+              <a:solidFill>
+                <a:srgbClr val="4D4D4D"/>
+              </a:solidFill>
+              <a:latin typeface="+mn-lt"/>
+            </a:endParaRPr>
+          </a:p>
+          <a:p>
+            <a:pPr marL="285750" indent="-285750">
+              <a:buFont typeface="Arial" panose="020B0604020202020204" pitchFamily="34" charset="0"/>
+              <a:buChar char="•"/>
+            </a:pPr>
+            <a:r>
+              <a:rPr lang="de-DE" sz="1800" dirty="0">
+                <a:solidFill>
+                  <a:srgbClr val="4D4D4D"/>
+                </a:solidFill>
+                <a:latin typeface="+mn-lt"/>
+              </a:rPr>
+              <a:t>Ein allgemeines Überblick über Objekte im Weltraum</a:t>
+            </a:r>
+            <a:endParaRPr lang="en-US" sz="1800" dirty="0">
+              <a:solidFill>
+                <a:srgbClr val="4D4D4D"/>
+              </a:solidFill>
+              <a:latin typeface="+mn-lt"/>
+            </a:endParaRPr>
+          </a:p>
+        </p:txBody>
+      </p:sp>
+    </p:spTree>
+    <p:extLst>
+      <p:ext uri="{BB962C8B-B14F-4D97-AF65-F5344CB8AC3E}">
+        <p14:creationId xmlns:p14="http://schemas.microsoft.com/office/powerpoint/2010/main" val="2981735996"/>
+      </p:ext>
+    </p:extLst>
+  </p:cSld>
+  <p:clrMapOvr>
+    <a:masterClrMapping/>
+  </p:clrMapOvr>
+</p:sld>
+</file>
+
+<file path=ppt/slides/slide4.xml><?xml version="1.0" encoding="utf-8"?>
+<p:sld xmlns:a="http://schemas.openxmlformats.org/drawingml/2006/main" xmlns:r="http://schemas.openxmlformats.org/officeDocument/2006/relationships" xmlns:p="http://schemas.openxmlformats.org/presentationml/2006/main">
+  <p:cSld>
+    <p:spTree>
+      <p:nvGrpSpPr>
+        <p:cNvPr id="1" name=""/>
+        <p:cNvGrpSpPr/>
+        <p:nvPr/>
+      </p:nvGrpSpPr>
+      <p:grpSpPr>
+        <a:xfrm>
+          <a:off x="0" y="0"/>
+          <a:ext cx="0" cy="0"/>
+          <a:chOff x="0" y="0"/>
+          <a:chExt cx="0" cy="0"/>
+        </a:xfrm>
+      </p:grpSpPr>
+      <p:sp>
+        <p:nvSpPr>
+          <p:cNvPr id="2" name="标题 1">
+            <a:extLst>
+              <a:ext uri="{FF2B5EF4-FFF2-40B4-BE49-F238E27FC236}">
+                <a16:creationId xmlns:a16="http://schemas.microsoft.com/office/drawing/2014/main" id="{A734A760-2632-38C6-BEEC-6BACA53629F9}"/>
+              </a:ext>
+            </a:extLst>
+          </p:cNvPr>
+          <p:cNvSpPr>
+            <a:spLocks noGrp="1"/>
+          </p:cNvSpPr>
+          <p:nvPr>
+            <p:ph type="title"/>
+          </p:nvPr>
+        </p:nvSpPr>
+        <p:spPr/>
+        <p:txBody>
+          <a:bodyPr/>
+          <a:lstStyle/>
+          <a:p>
+            <a:r>
+              <a:rPr lang="en-US" dirty="0" err="1"/>
+              <a:t>V</a:t>
+            </a:r>
+            <a:r>
+              <a:rPr lang="en-US" altLang="zh-CN" dirty="0" err="1"/>
+              <a:t>isualisierung</a:t>
+            </a:r>
+            <a:r>
+              <a:rPr lang="en-US" altLang="zh-CN" dirty="0"/>
+              <a:t> (2)</a:t>
+            </a:r>
+            <a:endParaRPr lang="en-US" dirty="0"/>
+          </a:p>
+        </p:txBody>
+      </p:sp>
+      <p:pic>
+        <p:nvPicPr>
+          <p:cNvPr id="6" name="内容占位符 5">
+            <a:extLst>
+              <a:ext uri="{FF2B5EF4-FFF2-40B4-BE49-F238E27FC236}">
+                <a16:creationId xmlns:a16="http://schemas.microsoft.com/office/drawing/2014/main" id="{1FFB2685-5F5F-7250-6CF2-CDFEA867D5E4}"/>
+              </a:ext>
+            </a:extLst>
+          </p:cNvPr>
+          <p:cNvPicPr>
+            <a:picLocks noGrp="1" noChangeAspect="1"/>
+          </p:cNvPicPr>
+          <p:nvPr>
+            <p:ph idx="1"/>
+          </p:nvPr>
+        </p:nvPicPr>
+        <p:blipFill>
+          <a:blip r:embed="rId2"/>
+          <a:stretch>
+            <a:fillRect/>
+          </a:stretch>
+        </p:blipFill>
+        <p:spPr>
+          <a:xfrm>
+            <a:off x="1115616" y="1124744"/>
+            <a:ext cx="6694512" cy="2534167"/>
+          </a:xfrm>
+        </p:spPr>
+      </p:pic>
+      <p:sp>
+        <p:nvSpPr>
+          <p:cNvPr id="4" name="灯片编号占位符 3">
+            <a:extLst>
+              <a:ext uri="{FF2B5EF4-FFF2-40B4-BE49-F238E27FC236}">
+                <a16:creationId xmlns:a16="http://schemas.microsoft.com/office/drawing/2014/main" id="{8A23484E-2897-B1F3-DBCD-D2B4DFC38041}"/>
+              </a:ext>
+            </a:extLst>
+          </p:cNvPr>
+          <p:cNvSpPr>
+            <a:spLocks noGrp="1"/>
+          </p:cNvSpPr>
+          <p:nvPr>
+            <p:ph type="sldNum" sz="quarter" idx="12"/>
+          </p:nvPr>
+        </p:nvSpPr>
+        <p:spPr/>
+        <p:txBody>
+          <a:bodyPr/>
+          <a:lstStyle/>
+          <a:p>
+            <a:pPr>
+              <a:defRPr/>
+            </a:pPr>
+            <a:fld id="{A26A0649-E50C-4844-BD05-C05B747519B9}" type="slidenum">
+              <a:rPr lang="de-DE" altLang="en-US" smtClean="0"/>
+              <a:pPr>
+                <a:defRPr/>
+              </a:pPr>
+              <a:t>4</a:t>
+            </a:fld>
+            <a:endParaRPr lang="de-DE" altLang="en-US" dirty="0"/>
+          </a:p>
+        </p:txBody>
+      </p:sp>
+      <mc:AlternateContent xmlns:mc="http://schemas.openxmlformats.org/markup-compatibility/2006">
+        <mc:Choice xmlns:a14="http://schemas.microsoft.com/office/drawing/2010/main" Requires="a14">
+          <p:sp>
+            <p:nvSpPr>
+              <p:cNvPr id="7" name="文本框 6">
+                <a:extLst>
+                  <a:ext uri="{FF2B5EF4-FFF2-40B4-BE49-F238E27FC236}">
+                    <a16:creationId xmlns:a16="http://schemas.microsoft.com/office/drawing/2014/main" id="{271DF986-CC17-9C1A-50B2-A1B823D0DA9E}"/>
+                  </a:ext>
+                </a:extLst>
+              </p:cNvPr>
+              <p:cNvSpPr txBox="1"/>
+              <p:nvPr/>
+            </p:nvSpPr>
+            <p:spPr>
+              <a:xfrm>
+                <a:off x="1403648" y="3735979"/>
+                <a:ext cx="6694512" cy="2893421"/>
+              </a:xfrm>
+              <a:prstGeom prst="rect">
+                <a:avLst/>
+              </a:prstGeom>
+              <a:noFill/>
+            </p:spPr>
+            <p:txBody>
+              <a:bodyPr wrap="square" rtlCol="0">
+                <a:spAutoFit/>
+              </a:bodyPr>
+              <a:lstStyle/>
+              <a:p>
+                <a:pPr marL="285750" indent="-285750">
+                  <a:buFont typeface="Arial" panose="020B0604020202020204" pitchFamily="34" charset="0"/>
+                  <a:buChar char="•"/>
+                </a:pPr>
+                <a14:m>
+                  <m:oMath xmlns:m="http://schemas.openxmlformats.org/officeDocument/2006/math">
+                    <m:r>
+                      <a:rPr lang="en-US" sz="1800">
+                        <a:solidFill>
+                          <a:srgbClr val="4D4D4D"/>
+                        </a:solidFill>
+                        <a:latin typeface="+mn-lt"/>
+                      </a:rPr>
+                      <m:t>0−</m:t>
+                    </m:r>
+                    <m:sSup>
+                      <m:sSupPr>
+                        <m:ctrlPr>
+                          <a:rPr lang="en-US" sz="1800">
+                            <a:solidFill>
+                              <a:srgbClr val="4D4D4D"/>
+                            </a:solidFill>
+                            <a:latin typeface="+mn-lt"/>
+                          </a:rPr>
+                        </m:ctrlPr>
+                      </m:sSupPr>
+                      <m:e>
+                        <m:r>
+                          <a:rPr lang="en-US" sz="1800">
+                            <a:solidFill>
+                              <a:srgbClr val="4D4D4D"/>
+                            </a:solidFill>
+                            <a:latin typeface="+mn-lt"/>
+                          </a:rPr>
+                          <m:t>90</m:t>
+                        </m:r>
+                      </m:e>
+                      <m:sup>
+                        <m:r>
+                          <a:rPr lang="en-US" altLang="zh-CN" sz="1800">
+                            <a:solidFill>
+                              <a:srgbClr val="4D4D4D"/>
+                            </a:solidFill>
+                            <a:latin typeface="+mn-lt"/>
+                          </a:rPr>
+                          <m:t>°</m:t>
+                        </m:r>
+                      </m:sup>
+                    </m:sSup>
+                  </m:oMath>
+                </a14:m>
+                <a:r>
+                  <a:rPr lang="en-US" sz="1800" dirty="0">
+                    <a:solidFill>
+                      <a:srgbClr val="4D4D4D"/>
+                    </a:solidFill>
+                    <a:latin typeface="+mn-lt"/>
+                  </a:rPr>
+                  <a:t>: </a:t>
+                </a:r>
+                <a:r>
+                  <a:rPr lang="en-US" sz="1800" dirty="0" err="1">
+                    <a:solidFill>
+                      <a:srgbClr val="4D4D4D"/>
+                    </a:solidFill>
+                    <a:latin typeface="+mn-lt"/>
+                  </a:rPr>
+                  <a:t>rechtläufig</a:t>
+                </a:r>
+                <a:endParaRPr lang="en-US" sz="1800" dirty="0">
+                  <a:solidFill>
+                    <a:srgbClr val="4D4D4D"/>
+                  </a:solidFill>
+                  <a:latin typeface="+mn-lt"/>
+                </a:endParaRPr>
+              </a:p>
+              <a:p>
+                <a:pPr marL="285750" indent="-285750">
+                  <a:buFont typeface="Arial" panose="020B0604020202020204" pitchFamily="34" charset="0"/>
+                  <a:buChar char="•"/>
+                </a:pPr>
+                <a:endParaRPr lang="en-US" sz="1800" dirty="0">
+                  <a:solidFill>
+                    <a:srgbClr val="4D4D4D"/>
+                  </a:solidFill>
+                  <a:latin typeface="+mn-lt"/>
+                </a:endParaRPr>
+              </a:p>
+              <a:p>
+                <a:pPr marL="285750" indent="-285750">
+                  <a:buFont typeface="Arial" panose="020B0604020202020204" pitchFamily="34" charset="0"/>
+                  <a:buChar char="•"/>
+                </a:pPr>
+                <a14:m>
+                  <m:oMath xmlns:m="http://schemas.openxmlformats.org/officeDocument/2006/math">
+                    <m:sSup>
+                      <m:sSupPr>
+                        <m:ctrlPr>
+                          <a:rPr lang="en-US" sz="1800">
+                            <a:solidFill>
+                              <a:srgbClr val="4D4D4D"/>
+                            </a:solidFill>
+                            <a:latin typeface="+mn-lt"/>
+                          </a:rPr>
+                        </m:ctrlPr>
+                      </m:sSupPr>
+                      <m:e>
+                        <m:r>
+                          <a:rPr lang="en-US" sz="1800">
+                            <a:solidFill>
+                              <a:srgbClr val="4D4D4D"/>
+                            </a:solidFill>
+                            <a:latin typeface="+mn-lt"/>
+                          </a:rPr>
+                          <m:t>63,4</m:t>
+                        </m:r>
+                      </m:e>
+                      <m:sup>
+                        <m:r>
+                          <a:rPr lang="en-US" altLang="zh-CN" sz="1800">
+                            <a:solidFill>
+                              <a:srgbClr val="4D4D4D"/>
+                            </a:solidFill>
+                            <a:latin typeface="+mn-lt"/>
+                          </a:rPr>
+                          <m:t>°</m:t>
+                        </m:r>
+                      </m:sup>
+                    </m:sSup>
+                  </m:oMath>
+                </a14:m>
+                <a:r>
+                  <a:rPr lang="en-US" sz="1800" dirty="0">
+                    <a:solidFill>
+                      <a:srgbClr val="4D4D4D"/>
+                    </a:solidFill>
+                    <a:latin typeface="+mn-lt"/>
+                  </a:rPr>
+                  <a:t>: </a:t>
+                </a:r>
+                <a:r>
+                  <a:rPr lang="en-US" sz="1800" dirty="0" err="1">
+                    <a:solidFill>
+                      <a:srgbClr val="4D4D4D"/>
+                    </a:solidFill>
+                    <a:latin typeface="+mn-lt"/>
+                  </a:rPr>
+                  <a:t>keine</a:t>
+                </a:r>
+                <a:r>
+                  <a:rPr lang="en-US" sz="1800" dirty="0">
+                    <a:solidFill>
+                      <a:srgbClr val="4D4D4D"/>
+                    </a:solidFill>
+                    <a:latin typeface="+mn-lt"/>
+                  </a:rPr>
+                  <a:t> </a:t>
+                </a:r>
+                <a:r>
+                  <a:rPr lang="en-US" sz="1800" dirty="0" err="1">
+                    <a:solidFill>
+                      <a:srgbClr val="4D4D4D"/>
+                    </a:solidFill>
+                    <a:latin typeface="+mn-lt"/>
+                  </a:rPr>
+                  <a:t>Apogäumsdrift</a:t>
+                </a:r>
+                <a:endParaRPr lang="en-US" sz="1800" dirty="0">
+                  <a:solidFill>
+                    <a:srgbClr val="4D4D4D"/>
+                  </a:solidFill>
+                  <a:latin typeface="+mn-lt"/>
+                </a:endParaRPr>
+              </a:p>
+              <a:p>
+                <a:endParaRPr lang="en-US" sz="1800" dirty="0">
+                  <a:solidFill>
+                    <a:srgbClr val="4D4D4D"/>
+                  </a:solidFill>
+                  <a:latin typeface="+mn-lt"/>
+                </a:endParaRPr>
+              </a:p>
+              <a:p>
+                <a:pPr marL="285750" indent="-285750">
+                  <a:buFont typeface="Arial" panose="020B0604020202020204" pitchFamily="34" charset="0"/>
+                  <a:buChar char="•"/>
+                </a:pPr>
+                <a:r>
+                  <a:rPr lang="de-DE" sz="1800" dirty="0">
+                    <a:solidFill>
+                      <a:srgbClr val="4D4D4D"/>
+                    </a:solidFill>
+                    <a:latin typeface="+mn-lt"/>
+                  </a:rPr>
+                  <a:t>nahe </a:t>
+                </a:r>
+                <a14:m>
+                  <m:oMath xmlns:m="http://schemas.openxmlformats.org/officeDocument/2006/math">
+                    <m:sSup>
+                      <m:sSupPr>
+                        <m:ctrlPr>
+                          <a:rPr lang="en-US" sz="1800">
+                            <a:solidFill>
+                              <a:srgbClr val="4D4D4D"/>
+                            </a:solidFill>
+                            <a:latin typeface="+mn-lt"/>
+                          </a:rPr>
+                        </m:ctrlPr>
+                      </m:sSupPr>
+                      <m:e>
+                        <m:r>
+                          <a:rPr lang="en-US" sz="1800">
+                            <a:solidFill>
+                              <a:srgbClr val="4D4D4D"/>
+                            </a:solidFill>
+                            <a:latin typeface="+mn-lt"/>
+                          </a:rPr>
+                          <m:t>90</m:t>
+                        </m:r>
+                      </m:e>
+                      <m:sup>
+                        <m:r>
+                          <a:rPr lang="en-US" altLang="zh-CN" sz="1800">
+                            <a:solidFill>
+                              <a:srgbClr val="4D4D4D"/>
+                            </a:solidFill>
+                            <a:latin typeface="+mn-lt"/>
+                          </a:rPr>
+                          <m:t>°</m:t>
+                        </m:r>
+                      </m:sup>
+                    </m:sSup>
+                  </m:oMath>
+                </a14:m>
+                <a:r>
+                  <a:rPr lang="de-DE" sz="1800" dirty="0">
+                    <a:solidFill>
+                      <a:srgbClr val="4D4D4D"/>
+                    </a:solidFill>
+                    <a:latin typeface="+mn-lt"/>
+                  </a:rPr>
+                  <a:t> : Polarorbits</a:t>
+                </a:r>
+              </a:p>
+              <a:p>
+                <a:pPr marL="285750" indent="-285750">
+                  <a:buFont typeface="Arial" panose="020B0604020202020204" pitchFamily="34" charset="0"/>
+                  <a:buChar char="•"/>
+                </a:pPr>
+                <a:endParaRPr lang="de-DE" sz="1800" dirty="0">
+                  <a:solidFill>
+                    <a:srgbClr val="4D4D4D"/>
+                  </a:solidFill>
+                  <a:latin typeface="+mn-lt"/>
+                </a:endParaRPr>
+              </a:p>
+              <a:p>
+                <a:pPr marL="285750" indent="-285750">
+                  <a:buFont typeface="Arial" panose="020B0604020202020204" pitchFamily="34" charset="0"/>
+                  <a:buChar char="•"/>
+                </a:pPr>
+                <a14:m>
+                  <m:oMath xmlns:m="http://schemas.openxmlformats.org/officeDocument/2006/math">
+                    <m:sSup>
+                      <m:sSupPr>
+                        <m:ctrlPr>
+                          <a:rPr lang="en-US" sz="1800">
+                            <a:solidFill>
+                              <a:srgbClr val="4D4D4D"/>
+                            </a:solidFill>
+                            <a:latin typeface="+mn-lt"/>
+                          </a:rPr>
+                        </m:ctrlPr>
+                      </m:sSupPr>
+                      <m:e>
+                        <m:r>
+                          <a:rPr lang="en-US" sz="1800">
+                            <a:solidFill>
+                              <a:srgbClr val="4D4D4D"/>
+                            </a:solidFill>
+                            <a:latin typeface="+mn-lt"/>
+                          </a:rPr>
+                          <m:t>90</m:t>
+                        </m:r>
+                      </m:e>
+                      <m:sup>
+                        <m:r>
+                          <a:rPr lang="en-US" altLang="zh-CN" sz="1800">
+                            <a:solidFill>
+                              <a:srgbClr val="4D4D4D"/>
+                            </a:solidFill>
+                            <a:latin typeface="+mn-lt"/>
+                          </a:rPr>
+                          <m:t>°</m:t>
+                        </m:r>
+                      </m:sup>
+                    </m:sSup>
+                    <m:r>
+                      <a:rPr lang="en-US" altLang="zh-CN" sz="1800">
+                        <a:solidFill>
+                          <a:srgbClr val="4D4D4D"/>
+                        </a:solidFill>
+                        <a:latin typeface="+mn-lt"/>
+                      </a:rPr>
+                      <m:t>−</m:t>
+                    </m:r>
+                    <m:sSup>
+                      <m:sSupPr>
+                        <m:ctrlPr>
+                          <a:rPr lang="en-US" sz="1800">
+                            <a:solidFill>
+                              <a:srgbClr val="4D4D4D"/>
+                            </a:solidFill>
+                            <a:latin typeface="+mn-lt"/>
+                          </a:rPr>
+                        </m:ctrlPr>
+                      </m:sSupPr>
+                      <m:e>
+                        <m:r>
+                          <a:rPr lang="en-US" sz="1800">
+                            <a:solidFill>
+                              <a:srgbClr val="4D4D4D"/>
+                            </a:solidFill>
+                            <a:latin typeface="+mn-lt"/>
+                          </a:rPr>
+                          <m:t>18</m:t>
+                        </m:r>
+                        <m:r>
+                          <a:rPr lang="en-US" sz="1800">
+                            <a:solidFill>
+                              <a:srgbClr val="4D4D4D"/>
+                            </a:solidFill>
+                            <a:latin typeface="+mn-lt"/>
+                          </a:rPr>
+                          <m:t>0</m:t>
+                        </m:r>
+                      </m:e>
+                      <m:sup>
+                        <m:r>
+                          <a:rPr lang="en-US" altLang="zh-CN" sz="1800">
+                            <a:solidFill>
+                              <a:srgbClr val="4D4D4D"/>
+                            </a:solidFill>
+                            <a:latin typeface="+mn-lt"/>
+                          </a:rPr>
+                          <m:t>°</m:t>
+                        </m:r>
+                      </m:sup>
+                    </m:sSup>
+                  </m:oMath>
+                </a14:m>
+                <a:r>
+                  <a:rPr lang="en-US" sz="1800" dirty="0">
+                    <a:solidFill>
+                      <a:srgbClr val="4D4D4D"/>
+                    </a:solidFill>
+                    <a:latin typeface="+mn-lt"/>
+                  </a:rPr>
+                  <a:t>: </a:t>
+                </a:r>
+                <a:r>
+                  <a:rPr lang="en-US" sz="1800" dirty="0" err="1">
+                    <a:solidFill>
+                      <a:srgbClr val="4D4D4D"/>
+                    </a:solidFill>
+                    <a:latin typeface="+mn-lt"/>
+                  </a:rPr>
+                  <a:t>rückläufig</a:t>
+                </a:r>
+                <a:endParaRPr lang="en-US" sz="1800" dirty="0">
+                  <a:solidFill>
+                    <a:srgbClr val="4D4D4D"/>
+                  </a:solidFill>
+                  <a:latin typeface="+mn-lt"/>
+                </a:endParaRPr>
+              </a:p>
+              <a:p>
+                <a:pPr marL="285750" indent="-285750">
+                  <a:buFont typeface="Arial" panose="020B0604020202020204" pitchFamily="34" charset="0"/>
+                  <a:buChar char="•"/>
+                </a:pPr>
+                <a:endParaRPr lang="en-US" sz="1800" dirty="0">
+                  <a:solidFill>
+                    <a:srgbClr val="4D4D4D"/>
+                  </a:solidFill>
+                  <a:latin typeface="+mn-lt"/>
+                </a:endParaRPr>
+              </a:p>
+              <a:p>
+                <a:pPr marL="285750" indent="-285750">
+                  <a:buFont typeface="Arial" panose="020B0604020202020204" pitchFamily="34" charset="0"/>
+                  <a:buChar char="•"/>
+                </a:pPr>
+                <a14:m>
+                  <m:oMath xmlns:m="http://schemas.openxmlformats.org/officeDocument/2006/math">
+                    <m:sSup>
+                      <m:sSupPr>
+                        <m:ctrlPr>
+                          <a:rPr lang="en-US" sz="1800">
+                            <a:solidFill>
+                              <a:srgbClr val="4D4D4D"/>
+                            </a:solidFill>
+                            <a:latin typeface="+mn-lt"/>
+                          </a:rPr>
+                        </m:ctrlPr>
+                      </m:sSupPr>
+                      <m:e>
+                        <m:r>
+                          <a:rPr lang="en-US" sz="1800">
+                            <a:solidFill>
+                              <a:srgbClr val="4D4D4D"/>
+                            </a:solidFill>
+                            <a:latin typeface="+mn-lt"/>
+                          </a:rPr>
+                          <m:t>98,696</m:t>
+                        </m:r>
+                      </m:e>
+                      <m:sup>
+                        <m:r>
+                          <a:rPr lang="en-US" altLang="zh-CN" sz="1800">
+                            <a:solidFill>
+                              <a:srgbClr val="4D4D4D"/>
+                            </a:solidFill>
+                            <a:latin typeface="+mn-lt"/>
+                          </a:rPr>
+                          <m:t>°</m:t>
+                        </m:r>
+                      </m:sup>
+                    </m:sSup>
+                  </m:oMath>
+                </a14:m>
+                <a:r>
+                  <a:rPr lang="en-US" sz="1800" dirty="0">
+                    <a:solidFill>
+                      <a:srgbClr val="4D4D4D"/>
+                    </a:solidFill>
+                    <a:latin typeface="+mn-lt"/>
+                  </a:rPr>
+                  <a:t>: </a:t>
+                </a:r>
+                <a:r>
+                  <a:rPr lang="en-US" sz="1800" dirty="0" err="1">
+                    <a:solidFill>
+                      <a:srgbClr val="4D4D4D"/>
+                    </a:solidFill>
+                    <a:latin typeface="+mn-lt"/>
+                  </a:rPr>
+                  <a:t>Sonnensynchrone</a:t>
+                </a:r>
+                <a:r>
+                  <a:rPr lang="en-US" sz="1800" dirty="0">
+                    <a:solidFill>
+                      <a:srgbClr val="4D4D4D"/>
+                    </a:solidFill>
+                    <a:latin typeface="+mn-lt"/>
+                  </a:rPr>
+                  <a:t> </a:t>
+                </a:r>
+                <a:r>
+                  <a:rPr lang="en-US" sz="1800" dirty="0" err="1">
+                    <a:solidFill>
+                      <a:srgbClr val="4D4D4D"/>
+                    </a:solidFill>
+                    <a:latin typeface="+mn-lt"/>
+                  </a:rPr>
+                  <a:t>Umlaufbahn</a:t>
+                </a:r>
+                <a:endParaRPr lang="en-US" sz="1800" dirty="0">
+                  <a:solidFill>
+                    <a:srgbClr val="4D4D4D"/>
+                  </a:solidFill>
+                  <a:latin typeface="+mn-lt"/>
+                </a:endParaRPr>
+              </a:p>
+              <a:p>
+                <a:pPr marL="285750" indent="-285750">
+                  <a:buFont typeface="Arial" panose="020B0604020202020204" pitchFamily="34" charset="0"/>
+                  <a:buChar char="•"/>
+                </a:pPr>
+                <a:endParaRPr lang="en-US" sz="1800" dirty="0"/>
+              </a:p>
+            </p:txBody>
+          </p:sp>
+        </mc:Choice>
+        <mc:Fallback>
+          <p:sp>
+            <p:nvSpPr>
+              <p:cNvPr id="7" name="文本框 6">
+                <a:extLst>
+                  <a:ext uri="{FF2B5EF4-FFF2-40B4-BE49-F238E27FC236}">
+                    <a16:creationId xmlns:a16="http://schemas.microsoft.com/office/drawing/2014/main" id="{271DF986-CC17-9C1A-50B2-A1B823D0DA9E}"/>
+                  </a:ext>
+                </a:extLst>
+              </p:cNvPr>
+              <p:cNvSpPr txBox="1">
+                <a:spLocks noRot="1" noChangeAspect="1" noMove="1" noResize="1" noEditPoints="1" noAdjustHandles="1" noChangeArrowheads="1" noChangeShapeType="1" noTextEdit="1"/>
+              </p:cNvSpPr>
+              <p:nvPr/>
+            </p:nvSpPr>
+            <p:spPr>
+              <a:xfrm>
+                <a:off x="1403648" y="3735979"/>
+                <a:ext cx="6694512" cy="2893421"/>
+              </a:xfrm>
+              <a:prstGeom prst="rect">
+                <a:avLst/>
+              </a:prstGeom>
+              <a:blipFill>
+                <a:blip r:embed="rId3"/>
+                <a:stretch>
+                  <a:fillRect l="-546" t="-842"/>
+                </a:stretch>
+              </a:blipFill>
+            </p:spPr>
+            <p:txBody>
+              <a:bodyPr/>
+              <a:lstStyle/>
+              <a:p>
+                <a:r>
+                  <a:rPr lang="en-US">
+                    <a:noFill/>
+                  </a:rPr>
+                  <a:t> </a:t>
+                </a:r>
+              </a:p>
+            </p:txBody>
+          </p:sp>
+        </mc:Fallback>
+      </mc:AlternateContent>
+    </p:spTree>
+    <p:extLst>
+      <p:ext uri="{BB962C8B-B14F-4D97-AF65-F5344CB8AC3E}">
+        <p14:creationId xmlns:p14="http://schemas.microsoft.com/office/powerpoint/2010/main" val="2470688130"/>
+      </p:ext>
+    </p:extLst>
+  </p:cSld>
+  <p:clrMapOvr>
+    <a:masterClrMapping/>
+  </p:clrMapOvr>
+</p:sld>
+</file>
+
+<file path=ppt/slides/slide5.xml><?xml version="1.0" encoding="utf-8"?>
+<p:sld xmlns:a="http://schemas.openxmlformats.org/drawingml/2006/main" xmlns:r="http://schemas.openxmlformats.org/officeDocument/2006/relationships" xmlns:p="http://schemas.openxmlformats.org/presentationml/2006/main">
+  <p:cSld>
+    <p:spTree>
+      <p:nvGrpSpPr>
+        <p:cNvPr id="1" name=""/>
+        <p:cNvGrpSpPr/>
+        <p:nvPr/>
+      </p:nvGrpSpPr>
+      <p:grpSpPr>
+        <a:xfrm>
+          <a:off x="0" y="0"/>
+          <a:ext cx="0" cy="0"/>
+          <a:chOff x="0" y="0"/>
+          <a:chExt cx="0" cy="0"/>
+        </a:xfrm>
+      </p:grpSpPr>
+      <p:sp>
+        <p:nvSpPr>
+          <p:cNvPr id="2" name="标题 1">
+            <a:extLst>
+              <a:ext uri="{FF2B5EF4-FFF2-40B4-BE49-F238E27FC236}">
+                <a16:creationId xmlns:a16="http://schemas.microsoft.com/office/drawing/2014/main" id="{5BE4EDEC-1764-B0A1-2560-A3CCC0118E2E}"/>
+              </a:ext>
+            </a:extLst>
+          </p:cNvPr>
+          <p:cNvSpPr>
+            <a:spLocks noGrp="1"/>
+          </p:cNvSpPr>
+          <p:nvPr>
+            <p:ph type="title"/>
+          </p:nvPr>
+        </p:nvSpPr>
+        <p:spPr/>
+        <p:txBody>
+          <a:bodyPr/>
+          <a:lstStyle/>
+          <a:p>
+            <a:r>
+              <a:rPr lang="en-US" dirty="0" err="1"/>
+              <a:t>V</a:t>
+            </a:r>
+            <a:r>
+              <a:rPr lang="en-US" altLang="zh-CN" dirty="0" err="1"/>
+              <a:t>isualisierung</a:t>
+            </a:r>
+            <a:r>
+              <a:rPr lang="en-US" altLang="zh-CN" dirty="0"/>
+              <a:t> (3)</a:t>
+            </a:r>
+            <a:endParaRPr lang="en-US" dirty="0"/>
+          </a:p>
+        </p:txBody>
+      </p:sp>
+      <p:pic>
+        <p:nvPicPr>
+          <p:cNvPr id="6" name="内容占位符 5">
+            <a:extLst>
+              <a:ext uri="{FF2B5EF4-FFF2-40B4-BE49-F238E27FC236}">
+                <a16:creationId xmlns:a16="http://schemas.microsoft.com/office/drawing/2014/main" id="{36F05F52-F340-711F-9E01-2675A23878C4}"/>
+              </a:ext>
+            </a:extLst>
+          </p:cNvPr>
+          <p:cNvPicPr>
+            <a:picLocks noGrp="1" noChangeAspect="1"/>
+          </p:cNvPicPr>
+          <p:nvPr>
+            <p:ph idx="1"/>
+          </p:nvPr>
+        </p:nvPicPr>
+        <p:blipFill>
+          <a:blip r:embed="rId2"/>
+          <a:stretch>
+            <a:fillRect/>
+          </a:stretch>
+        </p:blipFill>
+        <p:spPr>
+          <a:xfrm>
+            <a:off x="4139952" y="1340768"/>
+            <a:ext cx="4392488" cy="3795367"/>
+          </a:xfrm>
+        </p:spPr>
+      </p:pic>
+      <p:sp>
+        <p:nvSpPr>
+          <p:cNvPr id="4" name="灯片编号占位符 3">
+            <a:extLst>
+              <a:ext uri="{FF2B5EF4-FFF2-40B4-BE49-F238E27FC236}">
+                <a16:creationId xmlns:a16="http://schemas.microsoft.com/office/drawing/2014/main" id="{27EFD8FF-939C-5136-702B-0FC3FE8EDDFB}"/>
+              </a:ext>
+            </a:extLst>
+          </p:cNvPr>
+          <p:cNvSpPr>
+            <a:spLocks noGrp="1"/>
+          </p:cNvSpPr>
+          <p:nvPr>
+            <p:ph type="sldNum" sz="quarter" idx="12"/>
+          </p:nvPr>
+        </p:nvSpPr>
+        <p:spPr/>
+        <p:txBody>
+          <a:bodyPr/>
+          <a:lstStyle/>
+          <a:p>
+            <a:pPr>
+              <a:defRPr/>
+            </a:pPr>
+            <a:fld id="{A26A0649-E50C-4844-BD05-C05B747519B9}" type="slidenum">
+              <a:rPr lang="de-DE" altLang="en-US" smtClean="0"/>
+              <a:pPr>
+                <a:defRPr/>
+              </a:pPr>
+              <a:t>5</a:t>
+            </a:fld>
+            <a:endParaRPr lang="de-DE" altLang="en-US"/>
+          </a:p>
+        </p:txBody>
+      </p:sp>
+      <p:sp>
+        <p:nvSpPr>
+          <p:cNvPr id="7" name="文本框 6">
+            <a:extLst>
+              <a:ext uri="{FF2B5EF4-FFF2-40B4-BE49-F238E27FC236}">
+                <a16:creationId xmlns:a16="http://schemas.microsoft.com/office/drawing/2014/main" id="{4E878F61-5CD3-D628-F883-8D52787AEC45}"/>
+              </a:ext>
+            </a:extLst>
+          </p:cNvPr>
+          <p:cNvSpPr txBox="1"/>
+          <p:nvPr/>
+        </p:nvSpPr>
+        <p:spPr>
+          <a:xfrm>
+            <a:off x="899592" y="5045936"/>
+            <a:ext cx="7704856" cy="1754326"/>
+          </a:xfrm>
+          <a:prstGeom prst="rect">
+            <a:avLst/>
+          </a:prstGeom>
+          <a:noFill/>
+        </p:spPr>
+        <p:txBody>
+          <a:bodyPr wrap="square" rtlCol="0">
+            <a:spAutoFit/>
+          </a:bodyPr>
+          <a:lstStyle/>
+          <a:p>
+            <a:pPr marL="285750" indent="-285750">
+              <a:buFont typeface="Arial" panose="020B0604020202020204" pitchFamily="34" charset="0"/>
+              <a:buChar char="•"/>
+            </a:pPr>
+            <a:r>
+              <a:rPr lang="en-US" sz="1800" dirty="0">
+                <a:solidFill>
+                  <a:srgbClr val="4D4D4D"/>
+                </a:solidFill>
+                <a:latin typeface="+mn-lt"/>
+              </a:rPr>
+              <a:t>Winkel: </a:t>
+            </a:r>
+            <a:r>
+              <a:rPr lang="en-US" sz="1800" dirty="0" err="1">
+                <a:solidFill>
+                  <a:srgbClr val="4D4D4D"/>
+                </a:solidFill>
+                <a:latin typeface="+mn-lt"/>
+              </a:rPr>
+              <a:t>Inklination</a:t>
+            </a:r>
+            <a:endParaRPr lang="en-US" sz="1800" dirty="0">
+              <a:solidFill>
+                <a:srgbClr val="4D4D4D"/>
+              </a:solidFill>
+              <a:latin typeface="+mn-lt"/>
+            </a:endParaRPr>
+          </a:p>
+          <a:p>
+            <a:pPr marL="285750" indent="-285750">
+              <a:buFont typeface="Arial" panose="020B0604020202020204" pitchFamily="34" charset="0"/>
+              <a:buChar char="•"/>
+            </a:pPr>
+            <a:endParaRPr lang="en-US" sz="1800" dirty="0">
+              <a:solidFill>
+                <a:srgbClr val="4D4D4D"/>
+              </a:solidFill>
+              <a:latin typeface="+mn-lt"/>
+            </a:endParaRPr>
+          </a:p>
+          <a:p>
+            <a:pPr marL="285750" indent="-285750">
+              <a:buFont typeface="Arial" panose="020B0604020202020204" pitchFamily="34" charset="0"/>
+              <a:buChar char="•"/>
+            </a:pPr>
+            <a:r>
+              <a:rPr lang="en-US" sz="1800" dirty="0">
+                <a:solidFill>
+                  <a:srgbClr val="4D4D4D"/>
+                </a:solidFill>
+                <a:latin typeface="+mn-lt"/>
+              </a:rPr>
+              <a:t> Radius: </a:t>
+            </a:r>
+            <a:r>
+              <a:rPr lang="de-DE" sz="1800" dirty="0">
+                <a:solidFill>
+                  <a:srgbClr val="4D4D4D"/>
+                </a:solidFill>
+                <a:latin typeface="+mn-lt"/>
+              </a:rPr>
+              <a:t>Apogäum + Perigäum</a:t>
+            </a:r>
+          </a:p>
+          <a:p>
+            <a:pPr marL="285750" indent="-285750">
+              <a:buFont typeface="Arial" panose="020B0604020202020204" pitchFamily="34" charset="0"/>
+              <a:buChar char="•"/>
+            </a:pPr>
+            <a:endParaRPr lang="de-DE" sz="1800" dirty="0">
+              <a:solidFill>
+                <a:srgbClr val="4D4D4D"/>
+              </a:solidFill>
+              <a:latin typeface="+mn-lt"/>
+            </a:endParaRPr>
+          </a:p>
+          <a:p>
+            <a:pPr marL="285750" indent="-285750">
+              <a:buFont typeface="Arial" panose="020B0604020202020204" pitchFamily="34" charset="0"/>
+              <a:buChar char="•"/>
+            </a:pPr>
+            <a:r>
+              <a:rPr lang="de-DE" sz="1800" dirty="0">
+                <a:solidFill>
+                  <a:srgbClr val="4D4D4D"/>
+                </a:solidFill>
+                <a:latin typeface="+mn-lt"/>
+              </a:rPr>
+              <a:t>Near circular orbit: roter Punkt</a:t>
+            </a:r>
+            <a:endParaRPr lang="en-US" sz="1800" dirty="0">
+              <a:solidFill>
+                <a:srgbClr val="4D4D4D"/>
+              </a:solidFill>
+              <a:latin typeface="+mn-lt"/>
+            </a:endParaRPr>
+          </a:p>
+          <a:p>
+            <a:pPr marL="285750" indent="-285750">
+              <a:buFont typeface="Arial" panose="020B0604020202020204" pitchFamily="34" charset="0"/>
+              <a:buChar char="•"/>
+            </a:pPr>
+            <a:endParaRPr lang="en-US" sz="1800" dirty="0"/>
+          </a:p>
+        </p:txBody>
+      </p:sp>
+    </p:spTree>
+    <p:extLst>
+      <p:ext uri="{BB962C8B-B14F-4D97-AF65-F5344CB8AC3E}">
+        <p14:creationId xmlns:p14="http://schemas.microsoft.com/office/powerpoint/2010/main" val="3350354078"/>
+      </p:ext>
+    </p:extLst>
+  </p:cSld>
+  <p:clrMapOvr>
+    <a:masterClrMapping/>
+  </p:clrMapOvr>
+</p:sld>
+</file>
+
+<file path=ppt/slides/slide6.xml><?xml version="1.0" encoding="utf-8"?>
+<p:sld xmlns:a="http://schemas.openxmlformats.org/drawingml/2006/main" xmlns:r="http://schemas.openxmlformats.org/officeDocument/2006/relationships" xmlns:p="http://schemas.openxmlformats.org/presentationml/2006/main">
+  <p:cSld>
+    <p:spTree>
+      <p:nvGrpSpPr>
+        <p:cNvPr id="1" name=""/>
+        <p:cNvGrpSpPr/>
+        <p:nvPr/>
+      </p:nvGrpSpPr>
+      <p:grpSpPr>
+        <a:xfrm>
+          <a:off x="0" y="0"/>
+          <a:ext cx="0" cy="0"/>
+          <a:chOff x="0" y="0"/>
+          <a:chExt cx="0" cy="0"/>
+        </a:xfrm>
+      </p:grpSpPr>
+      <p:sp>
+        <p:nvSpPr>
+          <p:cNvPr id="2" name="标题 1">
+            <a:extLst>
+              <a:ext uri="{FF2B5EF4-FFF2-40B4-BE49-F238E27FC236}">
+                <a16:creationId xmlns:a16="http://schemas.microsoft.com/office/drawing/2014/main" id="{D5392CBE-8C55-26A9-F4B2-861C3AD86BDB}"/>
+              </a:ext>
+            </a:extLst>
+          </p:cNvPr>
+          <p:cNvSpPr>
+            <a:spLocks noGrp="1"/>
+          </p:cNvSpPr>
+          <p:nvPr>
+            <p:ph type="title"/>
+          </p:nvPr>
+        </p:nvSpPr>
+        <p:spPr/>
+        <p:txBody>
+          <a:bodyPr/>
+          <a:lstStyle/>
+          <a:p>
+            <a:r>
+              <a:rPr lang="en-US" dirty="0" err="1"/>
+              <a:t>V</a:t>
+            </a:r>
+            <a:r>
+              <a:rPr lang="en-US" altLang="zh-CN" dirty="0" err="1"/>
+              <a:t>isualisierung</a:t>
+            </a:r>
+            <a:r>
+              <a:rPr lang="en-US" altLang="zh-CN" dirty="0"/>
+              <a:t> (4)</a:t>
+            </a:r>
+            <a:endParaRPr lang="en-US" dirty="0"/>
+          </a:p>
+        </p:txBody>
+      </p:sp>
+      <p:pic>
+        <p:nvPicPr>
+          <p:cNvPr id="6" name="内容占位符 5">
+            <a:extLst>
+              <a:ext uri="{FF2B5EF4-FFF2-40B4-BE49-F238E27FC236}">
+                <a16:creationId xmlns:a16="http://schemas.microsoft.com/office/drawing/2014/main" id="{8202F489-6463-4CED-DF52-28155DB2CE12}"/>
+              </a:ext>
+            </a:extLst>
+          </p:cNvPr>
+          <p:cNvPicPr>
+            <a:picLocks noGrp="1" noChangeAspect="1"/>
+          </p:cNvPicPr>
+          <p:nvPr>
+            <p:ph idx="1"/>
+          </p:nvPr>
+        </p:nvPicPr>
+        <p:blipFill>
+          <a:blip r:embed="rId2"/>
+          <a:stretch>
+            <a:fillRect/>
+          </a:stretch>
+        </p:blipFill>
+        <p:spPr>
+          <a:xfrm>
+            <a:off x="3779912" y="1556792"/>
+            <a:ext cx="4073278" cy="3408805"/>
+          </a:xfrm>
+        </p:spPr>
+      </p:pic>
+      <p:sp>
+        <p:nvSpPr>
+          <p:cNvPr id="4" name="灯片编号占位符 3">
+            <a:extLst>
+              <a:ext uri="{FF2B5EF4-FFF2-40B4-BE49-F238E27FC236}">
+                <a16:creationId xmlns:a16="http://schemas.microsoft.com/office/drawing/2014/main" id="{9CDBB366-7068-7C0D-DDB3-14A981807C33}"/>
+              </a:ext>
+            </a:extLst>
+          </p:cNvPr>
+          <p:cNvSpPr>
+            <a:spLocks noGrp="1"/>
+          </p:cNvSpPr>
+          <p:nvPr>
+            <p:ph type="sldNum" sz="quarter" idx="12"/>
+          </p:nvPr>
+        </p:nvSpPr>
+        <p:spPr/>
+        <p:txBody>
+          <a:bodyPr/>
+          <a:lstStyle/>
+          <a:p>
+            <a:pPr>
+              <a:defRPr/>
+            </a:pPr>
+            <a:fld id="{A26A0649-E50C-4844-BD05-C05B747519B9}" type="slidenum">
+              <a:rPr lang="de-DE" altLang="en-US" smtClean="0"/>
+              <a:pPr>
+                <a:defRPr/>
+              </a:pPr>
+              <a:t>6</a:t>
+            </a:fld>
+            <a:endParaRPr lang="de-DE" altLang="en-US"/>
+          </a:p>
+        </p:txBody>
+      </p:sp>
+      <p:sp>
+        <p:nvSpPr>
+          <p:cNvPr id="7" name="文本框 6">
+            <a:extLst>
+              <a:ext uri="{FF2B5EF4-FFF2-40B4-BE49-F238E27FC236}">
+                <a16:creationId xmlns:a16="http://schemas.microsoft.com/office/drawing/2014/main" id="{E01EA8D3-9E2F-A4D7-B020-689F13156643}"/>
+              </a:ext>
+            </a:extLst>
+          </p:cNvPr>
+          <p:cNvSpPr txBox="1"/>
+          <p:nvPr/>
+        </p:nvSpPr>
+        <p:spPr>
+          <a:xfrm>
+            <a:off x="899592" y="5555126"/>
+            <a:ext cx="5832648" cy="369332"/>
+          </a:xfrm>
+          <a:prstGeom prst="rect">
+            <a:avLst/>
+          </a:prstGeom>
+          <a:noFill/>
+        </p:spPr>
+        <p:txBody>
+          <a:bodyPr wrap="square" rtlCol="0">
+            <a:spAutoFit/>
+          </a:bodyPr>
+          <a:lstStyle/>
+          <a:p>
+            <a:pPr marL="285750" indent="-285750">
+              <a:buFont typeface="Arial" panose="020B0604020202020204" pitchFamily="34" charset="0"/>
+              <a:buChar char="•"/>
+            </a:pPr>
+            <a:r>
+              <a:rPr lang="en-US" sz="1800" dirty="0">
+                <a:solidFill>
+                  <a:srgbClr val="4D4D4D"/>
+                </a:solidFill>
+                <a:latin typeface="+mn-lt"/>
+              </a:rPr>
+              <a:t>Gabbard-Diagram: </a:t>
+            </a:r>
+            <a:r>
+              <a:rPr lang="en-US" sz="1800" dirty="0" err="1">
+                <a:solidFill>
+                  <a:srgbClr val="4D4D4D"/>
+                </a:solidFill>
+                <a:latin typeface="+mn-lt"/>
+              </a:rPr>
+              <a:t>Perig</a:t>
+            </a:r>
+            <a:r>
+              <a:rPr lang="de-DE" sz="1800" dirty="0">
+                <a:solidFill>
+                  <a:srgbClr val="4D4D4D"/>
+                </a:solidFill>
+                <a:latin typeface="+mn-lt"/>
+              </a:rPr>
+              <a:t>äum und Apogäum</a:t>
+            </a:r>
+            <a:endParaRPr lang="en-US" sz="1800" dirty="0">
+              <a:solidFill>
+                <a:srgbClr val="4D4D4D"/>
+              </a:solidFill>
+              <a:latin typeface="+mn-lt"/>
+            </a:endParaRPr>
+          </a:p>
+        </p:txBody>
+      </p:sp>
+    </p:spTree>
+    <p:extLst>
+      <p:ext uri="{BB962C8B-B14F-4D97-AF65-F5344CB8AC3E}">
+        <p14:creationId xmlns:p14="http://schemas.microsoft.com/office/powerpoint/2010/main" val="3979103082"/>
+      </p:ext>
+    </p:extLst>
+  </p:cSld>
+  <p:clrMapOvr>
+    <a:masterClrMapping/>
+  </p:clrMapOvr>
+</p:sld>
+</file>
+
+<file path=ppt/slides/slide7.xml><?xml version="1.0" encoding="utf-8"?>
+<p:sld xmlns:a="http://schemas.openxmlformats.org/drawingml/2006/main" xmlns:r="http://schemas.openxmlformats.org/officeDocument/2006/relationships" xmlns:p="http://schemas.openxmlformats.org/presentationml/2006/main">
+  <p:cSld>
+    <p:spTree>
+      <p:nvGrpSpPr>
+        <p:cNvPr id="1" name=""/>
+        <p:cNvGrpSpPr/>
+        <p:nvPr/>
+      </p:nvGrpSpPr>
+      <p:grpSpPr>
+        <a:xfrm>
+          <a:off x="0" y="0"/>
+          <a:ext cx="0" cy="0"/>
+          <a:chOff x="0" y="0"/>
+          <a:chExt cx="0" cy="0"/>
+        </a:xfrm>
+      </p:grpSpPr>
+      <p:sp>
+        <p:nvSpPr>
+          <p:cNvPr id="2" name="标题 1">
+            <a:extLst>
+              <a:ext uri="{FF2B5EF4-FFF2-40B4-BE49-F238E27FC236}">
+                <a16:creationId xmlns:a16="http://schemas.microsoft.com/office/drawing/2014/main" id="{EC429912-C201-B8AC-73E3-4986D69C62C3}"/>
+              </a:ext>
+            </a:extLst>
+          </p:cNvPr>
+          <p:cNvSpPr>
+            <a:spLocks noGrp="1"/>
+          </p:cNvSpPr>
+          <p:nvPr>
+            <p:ph type="title"/>
+          </p:nvPr>
+        </p:nvSpPr>
+        <p:spPr/>
+        <p:txBody>
+          <a:bodyPr/>
+          <a:lstStyle/>
+          <a:p>
+            <a:r>
+              <a:rPr lang="de-DE" dirty="0"/>
+              <a:t>Master</a:t>
+            </a:r>
+            <a:endParaRPr lang="en-US" dirty="0"/>
+          </a:p>
+        </p:txBody>
+      </p:sp>
+      <p:pic>
+        <p:nvPicPr>
+          <p:cNvPr id="6" name="内容占位符 5" descr="图形用户界面, 应用程序&#10;&#10;描述已自动生成">
+            <a:extLst>
+              <a:ext uri="{FF2B5EF4-FFF2-40B4-BE49-F238E27FC236}">
+                <a16:creationId xmlns:a16="http://schemas.microsoft.com/office/drawing/2014/main" id="{61AC764A-505E-53FE-A755-BAF53BA3B27E}"/>
+              </a:ext>
+            </a:extLst>
+          </p:cNvPr>
+          <p:cNvPicPr>
+            <a:picLocks noGrp="1" noChangeAspect="1"/>
+          </p:cNvPicPr>
+          <p:nvPr>
+            <p:ph idx="1"/>
+          </p:nvPr>
+        </p:nvPicPr>
+        <p:blipFill>
+          <a:blip r:embed="rId2">
+            <a:extLst>
+              <a:ext uri="{28A0092B-C50C-407E-A947-70E740481C1C}">
+                <a14:useLocalDpi xmlns:a14="http://schemas.microsoft.com/office/drawing/2010/main" val="0"/>
+              </a:ext>
+            </a:extLst>
+          </a:blip>
+          <a:stretch>
+            <a:fillRect/>
+          </a:stretch>
+        </p:blipFill>
+        <p:spPr>
+          <a:xfrm>
+            <a:off x="1727684" y="1052736"/>
+            <a:ext cx="5688632" cy="3791631"/>
+          </a:xfrm>
+        </p:spPr>
+      </p:pic>
+      <p:sp>
+        <p:nvSpPr>
+          <p:cNvPr id="4" name="灯片编号占位符 3">
+            <a:extLst>
+              <a:ext uri="{FF2B5EF4-FFF2-40B4-BE49-F238E27FC236}">
+                <a16:creationId xmlns:a16="http://schemas.microsoft.com/office/drawing/2014/main" id="{06863F22-A5F5-2125-B6BE-7B6372EEEB38}"/>
+              </a:ext>
+            </a:extLst>
+          </p:cNvPr>
+          <p:cNvSpPr>
+            <a:spLocks noGrp="1"/>
+          </p:cNvSpPr>
+          <p:nvPr>
+            <p:ph type="sldNum" sz="quarter" idx="12"/>
+          </p:nvPr>
+        </p:nvSpPr>
+        <p:spPr/>
+        <p:txBody>
+          <a:bodyPr/>
+          <a:lstStyle/>
+          <a:p>
+            <a:pPr>
+              <a:defRPr/>
+            </a:pPr>
+            <a:fld id="{A26A0649-E50C-4844-BD05-C05B747519B9}" type="slidenum">
+              <a:rPr lang="de-DE" altLang="en-US" smtClean="0"/>
+              <a:pPr>
+                <a:defRPr/>
+              </a:pPr>
+              <a:t>7</a:t>
+            </a:fld>
+            <a:endParaRPr lang="de-DE" altLang="en-US"/>
+          </a:p>
+        </p:txBody>
+      </p:sp>
+      <p:sp>
+        <p:nvSpPr>
+          <p:cNvPr id="8" name="文本框 7">
+            <a:extLst>
+              <a:ext uri="{FF2B5EF4-FFF2-40B4-BE49-F238E27FC236}">
+                <a16:creationId xmlns:a16="http://schemas.microsoft.com/office/drawing/2014/main" id="{F0486767-DFE2-A063-EA07-39A6EF0FCEE6}"/>
+              </a:ext>
+            </a:extLst>
+          </p:cNvPr>
+          <p:cNvSpPr txBox="1"/>
+          <p:nvPr/>
+        </p:nvSpPr>
+        <p:spPr>
+          <a:xfrm>
+            <a:off x="1385646" y="4948643"/>
+            <a:ext cx="6372708" cy="1754326"/>
+          </a:xfrm>
+          <a:prstGeom prst="rect">
+            <a:avLst/>
+          </a:prstGeom>
+          <a:noFill/>
+        </p:spPr>
+        <p:txBody>
+          <a:bodyPr wrap="square" rtlCol="0">
+            <a:spAutoFit/>
+          </a:bodyPr>
+          <a:lstStyle/>
+          <a:p>
+            <a:pPr marL="285750" indent="-285750">
+              <a:buFont typeface="Arial" panose="020B0604020202020204" pitchFamily="34" charset="0"/>
+              <a:buChar char="•"/>
+            </a:pPr>
+            <a:r>
+              <a:rPr lang="en-US" sz="1800" dirty="0">
+                <a:solidFill>
+                  <a:srgbClr val="4D4D4D"/>
+                </a:solidFill>
+                <a:latin typeface="+mn-lt"/>
+              </a:rPr>
+              <a:t>the European model to assess the risk of high velocity impacts of space debris on satellites in Earth orbit</a:t>
+            </a:r>
+          </a:p>
+          <a:p>
+            <a:pPr marL="285750" indent="-285750">
+              <a:buFont typeface="Arial" panose="020B0604020202020204" pitchFamily="34" charset="0"/>
+              <a:buChar char="•"/>
+            </a:pPr>
+            <a:endParaRPr lang="en-US" sz="1800" dirty="0">
+              <a:solidFill>
+                <a:srgbClr val="4D4D4D"/>
+              </a:solidFill>
+              <a:latin typeface="+mn-lt"/>
+            </a:endParaRPr>
+          </a:p>
+          <a:p>
+            <a:pPr marL="285750" indent="-285750">
+              <a:buFont typeface="Arial" panose="020B0604020202020204" pitchFamily="34" charset="0"/>
+              <a:buChar char="•"/>
+            </a:pPr>
+            <a:r>
+              <a:rPr lang="en-US" sz="1800" dirty="0">
+                <a:solidFill>
+                  <a:srgbClr val="4D4D4D"/>
+                </a:solidFill>
+                <a:latin typeface="+mn-lt"/>
+              </a:rPr>
+              <a:t>complex model of the space environment to calculate the spatial densities and velocity distributions of space debris including natural meteoroids</a:t>
+            </a:r>
+          </a:p>
+        </p:txBody>
+      </p:sp>
+    </p:spTree>
+    <p:extLst>
+      <p:ext uri="{BB962C8B-B14F-4D97-AF65-F5344CB8AC3E}">
+        <p14:creationId xmlns:p14="http://schemas.microsoft.com/office/powerpoint/2010/main" val="656941187"/>
+      </p:ext>
+    </p:extLst>
   </p:cSld>
   <p:clrMapOvr>
     <a:masterClrMapping/>
